--- a/FoodieExpressPROPOSAL.pptx
+++ b/FoodieExpressPROPOSAL.pptx
@@ -17999,7 +17999,7 @@
         <p:fade thruBlk="1"/>
       </p:transition>
     </mc:Choice>
-    <mc:Fallback xmlns="" xmlns:mv="urn:schemas-microsoft-com:mac:vml" xmlns:c="http://schemas.openxmlformats.org/drawingml/2006/chart" xmlns:dgm="http://schemas.openxmlformats.org/drawingml/2006/diagram" xmlns:o="urn:schemas-microsoft-com:office:office" xmlns:v="urn:schemas-microsoft-com:vml" xmlns:pvml="urn:schemas-microsoft-com:office:powerpoint" xmlns:com="http://schemas.openxmlformats.org/drawingml/2006/compatibility" xmlns:p15="http://schemas.microsoft.com/office/powerpoint/2012/main" xmlns:ahyp="http://schemas.microsoft.com/office/drawing/2018/hyperlinkcolor">
+    <mc:Fallback xmlns:ahyp="http://schemas.microsoft.com/office/drawing/2018/hyperlinkcolor" xmlns:p15="http://schemas.microsoft.com/office/powerpoint/2012/main" xmlns:com="http://schemas.openxmlformats.org/drawingml/2006/compatibility" xmlns:pvml="urn:schemas-microsoft-com:office:powerpoint" xmlns:v="urn:schemas-microsoft-com:vml" xmlns:o="urn:schemas-microsoft-com:office:office" xmlns:dgm="http://schemas.openxmlformats.org/drawingml/2006/diagram" xmlns:c="http://schemas.openxmlformats.org/drawingml/2006/chart" xmlns:mv="urn:schemas-microsoft-com:mac:vml" xmlns="">
       <p:transition spd="slow">
         <p:fade/>
       </p:transition>
@@ -26618,10 +26618,22 @@
                 <a:effectLst/>
                 <a:latin typeface="Arial" panose="020B0604020202020204" pitchFamily="34" charset="0"/>
               </a:rPr>
-              <a:t> Nur Hasan </a:t>
+              <a:t> Nur </a:t>
             </a:r>
             <a:r>
-              <a:rPr lang="en-US" sz="1400" b="1" dirty="0">
+              <a:rPr lang="en-US" sz="1400" b="1" i="0">
+                <a:solidFill>
+                  <a:schemeClr val="accent2">
+                    <a:lumMod val="75000"/>
+                  </a:schemeClr>
+                </a:solidFill>
+                <a:effectLst/>
+                <a:latin typeface="Arial" panose="020B0604020202020204" pitchFamily="34" charset="0"/>
+              </a:rPr>
+              <a:t>Hasan </a:t>
+            </a:r>
+            <a:r>
+              <a:rPr lang="en-US" sz="1400" b="1">
                 <a:solidFill>
                   <a:schemeClr val="accent2">
                     <a:lumMod val="75000"/>
@@ -26632,7 +26644,7 @@
               <a:t>           </a:t>
             </a:r>
             <a:r>
-              <a:rPr lang="en-US" sz="1400" b="0" i="0" dirty="0">
+              <a:rPr lang="en-US" sz="1400" b="0" i="0">
                 <a:solidFill>
                   <a:schemeClr val="accent2">
                     <a:lumMod val="75000"/>
